--- a/comandos github.pptx
+++ b/comandos github.pptx
@@ -116,6 +116,9 @@
         </p14:section>
       </p14:sectionLst>
     </p:ext>
+    <p:ext uri="{EFAFB233-063F-42B5-8137-9DF3F51BA10A}">
+      <p15:sldGuideLst xmlns:p15="http://schemas.microsoft.com/office/powerpoint/2012/main"/>
+    </p:ext>
   </p:extLst>
 </p:presentation>
 </file>
@@ -251,7 +254,7 @@
           <a:p>
             <a:fld id="{E3F9A03F-F482-411C-8DFC-6211D5C2A3DA}" type="datetimeFigureOut">
               <a:rPr lang="pt-BR" smtClean="0"/>
-              <a:t>05/04/2022</a:t>
+              <a:t>07/04/2022</a:t>
             </a:fld>
             <a:endParaRPr lang="pt-BR"/>
           </a:p>
@@ -421,7 +424,7 @@
           <a:p>
             <a:fld id="{E3F9A03F-F482-411C-8DFC-6211D5C2A3DA}" type="datetimeFigureOut">
               <a:rPr lang="pt-BR" smtClean="0"/>
-              <a:t>05/04/2022</a:t>
+              <a:t>07/04/2022</a:t>
             </a:fld>
             <a:endParaRPr lang="pt-BR"/>
           </a:p>
@@ -601,7 +604,7 @@
           <a:p>
             <a:fld id="{E3F9A03F-F482-411C-8DFC-6211D5C2A3DA}" type="datetimeFigureOut">
               <a:rPr lang="pt-BR" smtClean="0"/>
-              <a:t>05/04/2022</a:t>
+              <a:t>07/04/2022</a:t>
             </a:fld>
             <a:endParaRPr lang="pt-BR"/>
           </a:p>
@@ -771,7 +774,7 @@
           <a:p>
             <a:fld id="{E3F9A03F-F482-411C-8DFC-6211D5C2A3DA}" type="datetimeFigureOut">
               <a:rPr lang="pt-BR" smtClean="0"/>
-              <a:t>05/04/2022</a:t>
+              <a:t>07/04/2022</a:t>
             </a:fld>
             <a:endParaRPr lang="pt-BR"/>
           </a:p>
@@ -1017,7 +1020,7 @@
           <a:p>
             <a:fld id="{E3F9A03F-F482-411C-8DFC-6211D5C2A3DA}" type="datetimeFigureOut">
               <a:rPr lang="pt-BR" smtClean="0"/>
-              <a:t>05/04/2022</a:t>
+              <a:t>07/04/2022</a:t>
             </a:fld>
             <a:endParaRPr lang="pt-BR"/>
           </a:p>
@@ -1249,7 +1252,7 @@
           <a:p>
             <a:fld id="{E3F9A03F-F482-411C-8DFC-6211D5C2A3DA}" type="datetimeFigureOut">
               <a:rPr lang="pt-BR" smtClean="0"/>
-              <a:t>05/04/2022</a:t>
+              <a:t>07/04/2022</a:t>
             </a:fld>
             <a:endParaRPr lang="pt-BR"/>
           </a:p>
@@ -1616,7 +1619,7 @@
           <a:p>
             <a:fld id="{E3F9A03F-F482-411C-8DFC-6211D5C2A3DA}" type="datetimeFigureOut">
               <a:rPr lang="pt-BR" smtClean="0"/>
-              <a:t>05/04/2022</a:t>
+              <a:t>07/04/2022</a:t>
             </a:fld>
             <a:endParaRPr lang="pt-BR"/>
           </a:p>
@@ -1734,7 +1737,7 @@
           <a:p>
             <a:fld id="{E3F9A03F-F482-411C-8DFC-6211D5C2A3DA}" type="datetimeFigureOut">
               <a:rPr lang="pt-BR" smtClean="0"/>
-              <a:t>05/04/2022</a:t>
+              <a:t>07/04/2022</a:t>
             </a:fld>
             <a:endParaRPr lang="pt-BR"/>
           </a:p>
@@ -1829,7 +1832,7 @@
           <a:p>
             <a:fld id="{E3F9A03F-F482-411C-8DFC-6211D5C2A3DA}" type="datetimeFigureOut">
               <a:rPr lang="pt-BR" smtClean="0"/>
-              <a:t>05/04/2022</a:t>
+              <a:t>07/04/2022</a:t>
             </a:fld>
             <a:endParaRPr lang="pt-BR"/>
           </a:p>
@@ -2106,7 +2109,7 @@
           <a:p>
             <a:fld id="{E3F9A03F-F482-411C-8DFC-6211D5C2A3DA}" type="datetimeFigureOut">
               <a:rPr lang="pt-BR" smtClean="0"/>
-              <a:t>05/04/2022</a:t>
+              <a:t>07/04/2022</a:t>
             </a:fld>
             <a:endParaRPr lang="pt-BR"/>
           </a:p>
@@ -2359,7 +2362,7 @@
           <a:p>
             <a:fld id="{E3F9A03F-F482-411C-8DFC-6211D5C2A3DA}" type="datetimeFigureOut">
               <a:rPr lang="pt-BR" smtClean="0"/>
-              <a:t>05/04/2022</a:t>
+              <a:t>07/04/2022</a:t>
             </a:fld>
             <a:endParaRPr lang="pt-BR"/>
           </a:p>
@@ -2572,7 +2575,7 @@
           <a:p>
             <a:fld id="{E3F9A03F-F482-411C-8DFC-6211D5C2A3DA}" type="datetimeFigureOut">
               <a:rPr lang="pt-BR" smtClean="0"/>
-              <a:t>05/04/2022</a:t>
+              <a:t>07/04/2022</a:t>
             </a:fld>
             <a:endParaRPr lang="pt-BR"/>
           </a:p>
@@ -2985,8 +2988,8 @@
         </p:nvSpPr>
         <p:spPr>
           <a:xfrm>
-            <a:off x="850006" y="412124"/>
-            <a:ext cx="9890975" cy="5632311"/>
+            <a:off x="850006" y="204304"/>
+            <a:ext cx="9890975" cy="7848302"/>
           </a:xfrm>
           <a:prstGeom prst="rect">
             <a:avLst/>
@@ -3001,6 +3004,90 @@
           <a:p>
             <a:r>
               <a:rPr lang="pt-BR" dirty="0" smtClean="0"/>
+              <a:t>Configuração do ambiente</a:t>
+            </a:r>
+          </a:p>
+          <a:p>
+            <a:r>
+              <a:rPr lang="pt-BR" dirty="0"/>
+              <a:t> </a:t>
+            </a:r>
+            <a:r>
+              <a:rPr lang="pt-BR" dirty="0" err="1"/>
+              <a:t>git</a:t>
+            </a:r>
+            <a:r>
+              <a:rPr lang="pt-BR" dirty="0"/>
+              <a:t> </a:t>
+            </a:r>
+            <a:r>
+              <a:rPr lang="pt-BR" dirty="0" err="1"/>
+              <a:t>config</a:t>
+            </a:r>
+            <a:r>
+              <a:rPr lang="pt-BR" dirty="0"/>
+              <a:t> --global </a:t>
+            </a:r>
+            <a:r>
+              <a:rPr lang="pt-BR" dirty="0" smtClean="0"/>
+              <a:t>user.name “</a:t>
+            </a:r>
+            <a:r>
+              <a:rPr lang="pt-BR" dirty="0" err="1" smtClean="0"/>
+              <a:t>seunome</a:t>
+            </a:r>
+            <a:r>
+              <a:rPr lang="pt-BR" dirty="0" smtClean="0"/>
+              <a:t>”</a:t>
+            </a:r>
+          </a:p>
+          <a:p>
+            <a:r>
+              <a:rPr lang="pt-BR" dirty="0"/>
+              <a:t>$ </a:t>
+            </a:r>
+            <a:r>
+              <a:rPr lang="pt-BR" dirty="0" err="1"/>
+              <a:t>git</a:t>
+            </a:r>
+            <a:r>
+              <a:rPr lang="pt-BR" dirty="0"/>
+              <a:t> </a:t>
+            </a:r>
+            <a:r>
+              <a:rPr lang="pt-BR" dirty="0" err="1"/>
+              <a:t>config</a:t>
+            </a:r>
+            <a:r>
+              <a:rPr lang="pt-BR" dirty="0"/>
+              <a:t> --global </a:t>
+            </a:r>
+            <a:r>
+              <a:rPr lang="pt-BR" dirty="0" err="1"/>
+              <a:t>user.email</a:t>
+            </a:r>
+            <a:r>
+              <a:rPr lang="pt-BR" dirty="0"/>
+              <a:t> "seu </a:t>
+            </a:r>
+            <a:r>
+              <a:rPr lang="pt-BR" dirty="0" err="1" smtClean="0"/>
+              <a:t>email</a:t>
+            </a:r>
+            <a:r>
+              <a:rPr lang="pt-BR" dirty="0" smtClean="0"/>
+              <a:t>“</a:t>
+            </a:r>
+          </a:p>
+          <a:p>
+            <a:endParaRPr lang="pt-BR" dirty="0" smtClean="0"/>
+          </a:p>
+          <a:p>
+            <a:endParaRPr lang="pt-BR" dirty="0"/>
+          </a:p>
+          <a:p>
+            <a:r>
+              <a:rPr lang="pt-BR" dirty="0" smtClean="0"/>
               <a:t>Comandos </a:t>
             </a:r>
             <a:r>
@@ -3061,8 +3148,84 @@
             </a:r>
             <a:r>
               <a:rPr lang="pt-BR" dirty="0" smtClean="0"/>
-              <a:t> .. - Sai da pasta</a:t>
-            </a:r>
+              <a:t> .. - Sai da </a:t>
+            </a:r>
+            <a:r>
+              <a:rPr lang="pt-BR" dirty="0" smtClean="0"/>
+              <a:t>pasta</a:t>
+            </a:r>
+          </a:p>
+          <a:p>
+            <a:r>
+              <a:rPr lang="pt-BR" dirty="0" err="1"/>
+              <a:t>g</a:t>
+            </a:r>
+            <a:r>
+              <a:rPr lang="pt-BR" dirty="0" err="1" smtClean="0"/>
+              <a:t>it</a:t>
+            </a:r>
+            <a:r>
+              <a:rPr lang="pt-BR" dirty="0" smtClean="0"/>
+              <a:t> </a:t>
+            </a:r>
+            <a:r>
+              <a:rPr lang="pt-BR" dirty="0" err="1" smtClean="0"/>
+              <a:t>add</a:t>
+            </a:r>
+            <a:r>
+              <a:rPr lang="pt-BR" dirty="0" smtClean="0"/>
+              <a:t> * Inserir tudo ou </a:t>
+            </a:r>
+            <a:r>
+              <a:rPr lang="pt-BR" dirty="0" err="1" smtClean="0"/>
+              <a:t>git</a:t>
+            </a:r>
+            <a:r>
+              <a:rPr lang="pt-BR" dirty="0" smtClean="0"/>
+              <a:t> </a:t>
+            </a:r>
+            <a:r>
+              <a:rPr lang="pt-BR" dirty="0" err="1" smtClean="0"/>
+              <a:t>add</a:t>
+            </a:r>
+            <a:r>
+              <a:rPr lang="pt-BR" dirty="0" smtClean="0"/>
+              <a:t> &gt;nome do documento&lt;</a:t>
+            </a:r>
+          </a:p>
+          <a:p>
+            <a:r>
+              <a:rPr lang="pt-BR" dirty="0" err="1"/>
+              <a:t>g</a:t>
+            </a:r>
+            <a:r>
+              <a:rPr lang="pt-BR" dirty="0" err="1" smtClean="0"/>
+              <a:t>it</a:t>
+            </a:r>
+            <a:r>
+              <a:rPr lang="pt-BR" dirty="0" smtClean="0"/>
+              <a:t> log identificação do </a:t>
+            </a:r>
+            <a:r>
+              <a:rPr lang="pt-BR" dirty="0" err="1" smtClean="0"/>
+              <a:t>commit</a:t>
+            </a:r>
+            <a:endParaRPr lang="pt-BR" dirty="0" smtClean="0"/>
+          </a:p>
+          <a:p>
+            <a:r>
+              <a:rPr lang="pt-BR" dirty="0" err="1"/>
+              <a:t>t</a:t>
+            </a:r>
+            <a:r>
+              <a:rPr lang="pt-BR" dirty="0" err="1" smtClean="0"/>
+              <a:t>ouch</a:t>
+            </a:r>
+            <a:r>
+              <a:rPr lang="pt-BR" dirty="0" smtClean="0"/>
+              <a:t> &gt;nome e extensão do arquivo&lt; cria arquivo</a:t>
+            </a:r>
+            <a:endParaRPr lang="pt-BR" dirty="0" smtClean="0"/>
           </a:p>
           <a:p>
             <a:endParaRPr lang="pt-BR" dirty="0"/>
